--- a/test.pptx
+++ b/test.pptx
@@ -3096,8 +3096,8 @@
         </p:nvSpPr>
         <p:spPr>
           <a:xfrm>
-            <a:off x="1371600" y="1371600"/>
-            <a:ext cx="1371600" cy="1371600"/>
+            <a:off x="914400" y="914400"/>
+            <a:ext cx="914400" cy="914400"/>
           </a:xfrm>
           <a:prstGeom prst="rect">
             <a:avLst/>
@@ -3109,12 +3109,15 @@
             <a:spAutoFit/>
           </a:bodyPr>
           <a:lstStyle/>
-          <a:p>
+          <a:p/>
+          <a:p>
+            <a:pPr>
+              <a:defRPr sz="4300"/>
+            </a:pPr>
             <a:r>
               <a:t>test 테스트</a:t>
             </a:r>
-          </a:p>
-          <a:p>
+            <a:br/>
             <a:r>
               <a:t>텍스트 출력!</a:t>
             </a:r>
@@ -3135,6 +3138,7 @@
           <a:prstGeom prst="rect">
             <a:avLst/>
           </a:prstGeom>
+          <a:solidFill/>
         </p:spPr>
         <p:style>
           <a:lnRef idx="1">

--- a/test.pptx
+++ b/test.pptx
@@ -3138,7 +3138,12 @@
           <a:prstGeom prst="rect">
             <a:avLst/>
           </a:prstGeom>
-          <a:solidFill/>
+          <a:noFill/>
+          <a:ln>
+            <a:solidFill>
+              <a:srgbClr val="000000"/>
+            </a:solidFill>
+          </a:ln>
         </p:spPr>
         <p:style>
           <a:lnRef idx="1">
